--- a/2_ECC/ECC_syheliel.pptx
+++ b/2_ECC/ECC_syheliel.pptx
@@ -316,7 +316,7 @@
           <a:p>
             <a:fld id="{2C8A15B8-BE2C-4D04-9A17-0E122B952A4D}" type="datetimeFigureOut">
               <a:rPr lang="zh-CN" altLang="en-US" smtClean="0"/>
-              <a:t>2020/8/17</a:t>
+              <a:t>2020/8/18</a:t>
             </a:fld>
             <a:endParaRPr lang="zh-CN" altLang="en-US"/>
           </a:p>
@@ -752,7 +752,7 @@
           <a:p>
             <a:fld id="{2C8A15B8-BE2C-4D04-9A17-0E122B952A4D}" type="datetimeFigureOut">
               <a:rPr lang="zh-CN" altLang="en-US" smtClean="0"/>
-              <a:t>2020/8/17</a:t>
+              <a:t>2020/8/18</a:t>
             </a:fld>
             <a:endParaRPr lang="zh-CN" altLang="en-US"/>
           </a:p>
@@ -1002,7 +1002,7 @@
           <a:p>
             <a:fld id="{2C8A15B8-BE2C-4D04-9A17-0E122B952A4D}" type="datetimeFigureOut">
               <a:rPr lang="zh-CN" altLang="en-US" smtClean="0"/>
-              <a:t>2020/8/17</a:t>
+              <a:t>2020/8/18</a:t>
             </a:fld>
             <a:endParaRPr lang="zh-CN" altLang="en-US"/>
           </a:p>
@@ -1310,7 +1310,7 @@
           <a:p>
             <a:fld id="{2C8A15B8-BE2C-4D04-9A17-0E122B952A4D}" type="datetimeFigureOut">
               <a:rPr lang="zh-CN" altLang="en-US" smtClean="0"/>
-              <a:t>2020/8/17</a:t>
+              <a:t>2020/8/18</a:t>
             </a:fld>
             <a:endParaRPr lang="zh-CN" altLang="en-US"/>
           </a:p>
@@ -1628,7 +1628,7 @@
           <a:p>
             <a:fld id="{2C8A15B8-BE2C-4D04-9A17-0E122B952A4D}" type="datetimeFigureOut">
               <a:rPr lang="zh-CN" altLang="en-US" smtClean="0"/>
-              <a:t>2020/8/17</a:t>
+              <a:t>2020/8/18</a:t>
             </a:fld>
             <a:endParaRPr lang="zh-CN" altLang="en-US"/>
           </a:p>
@@ -1930,7 +1930,7 @@
           <a:p>
             <a:fld id="{2C8A15B8-BE2C-4D04-9A17-0E122B952A4D}" type="datetimeFigureOut">
               <a:rPr lang="zh-CN" altLang="en-US" smtClean="0"/>
-              <a:t>2020/8/17</a:t>
+              <a:t>2020/8/18</a:t>
             </a:fld>
             <a:endParaRPr lang="zh-CN" altLang="en-US"/>
           </a:p>
@@ -2297,7 +2297,7 @@
           <a:p>
             <a:fld id="{2C8A15B8-BE2C-4D04-9A17-0E122B952A4D}" type="datetimeFigureOut">
               <a:rPr lang="zh-CN" altLang="en-US" smtClean="0"/>
-              <a:t>2020/8/17</a:t>
+              <a:t>2020/8/18</a:t>
             </a:fld>
             <a:endParaRPr lang="zh-CN" altLang="en-US"/>
           </a:p>
@@ -2471,7 +2471,7 @@
           <a:p>
             <a:fld id="{2C8A15B8-BE2C-4D04-9A17-0E122B952A4D}" type="datetimeFigureOut">
               <a:rPr lang="zh-CN" altLang="en-US" smtClean="0"/>
-              <a:t>2020/8/17</a:t>
+              <a:t>2020/8/18</a:t>
             </a:fld>
             <a:endParaRPr lang="zh-CN" altLang="en-US"/>
           </a:p>
@@ -2651,7 +2651,7 @@
           <a:p>
             <a:fld id="{2C8A15B8-BE2C-4D04-9A17-0E122B952A4D}" type="datetimeFigureOut">
               <a:rPr lang="zh-CN" altLang="en-US" smtClean="0"/>
-              <a:t>2020/8/17</a:t>
+              <a:t>2020/8/18</a:t>
             </a:fld>
             <a:endParaRPr lang="zh-CN" altLang="en-US"/>
           </a:p>
@@ -2851,7 +2851,7 @@
           <a:p>
             <a:fld id="{2C8A15B8-BE2C-4D04-9A17-0E122B952A4D}" type="datetimeFigureOut">
               <a:rPr lang="zh-CN" altLang="en-US" smtClean="0"/>
-              <a:t>2020/8/17</a:t>
+              <a:t>2020/8/18</a:t>
             </a:fld>
             <a:endParaRPr lang="zh-CN" altLang="en-US"/>
           </a:p>
@@ -3062,7 +3062,7 @@
           <a:p>
             <a:fld id="{2C8A15B8-BE2C-4D04-9A17-0E122B952A4D}" type="datetimeFigureOut">
               <a:rPr lang="zh-CN" altLang="en-US" smtClean="0"/>
-              <a:t>2020/8/17</a:t>
+              <a:t>2020/8/18</a:t>
             </a:fld>
             <a:endParaRPr lang="zh-CN" altLang="en-US"/>
           </a:p>
@@ -3263,7 +3263,7 @@
           <a:p>
             <a:fld id="{2C8A15B8-BE2C-4D04-9A17-0E122B952A4D}" type="datetimeFigureOut">
               <a:rPr lang="zh-CN" altLang="en-US" smtClean="0"/>
-              <a:t>2020/8/17</a:t>
+              <a:t>2020/8/18</a:t>
             </a:fld>
             <a:endParaRPr lang="zh-CN" altLang="en-US"/>
           </a:p>
@@ -3511,7 +3511,7 @@
           <a:p>
             <a:fld id="{2C8A15B8-BE2C-4D04-9A17-0E122B952A4D}" type="datetimeFigureOut">
               <a:rPr lang="zh-CN" altLang="en-US" smtClean="0"/>
-              <a:t>2020/8/17</a:t>
+              <a:t>2020/8/18</a:t>
             </a:fld>
             <a:endParaRPr lang="zh-CN" altLang="en-US"/>
           </a:p>
@@ -3779,7 +3779,7 @@
           <a:p>
             <a:fld id="{2C8A15B8-BE2C-4D04-9A17-0E122B952A4D}" type="datetimeFigureOut">
               <a:rPr lang="zh-CN" altLang="en-US" smtClean="0"/>
-              <a:t>2020/8/17</a:t>
+              <a:t>2020/8/18</a:t>
             </a:fld>
             <a:endParaRPr lang="zh-CN" altLang="en-US"/>
           </a:p>
@@ -4195,7 +4195,7 @@
           <a:p>
             <a:fld id="{2C8A15B8-BE2C-4D04-9A17-0E122B952A4D}" type="datetimeFigureOut">
               <a:rPr lang="zh-CN" altLang="en-US" smtClean="0"/>
-              <a:t>2020/8/17</a:t>
+              <a:t>2020/8/18</a:t>
             </a:fld>
             <a:endParaRPr lang="zh-CN" altLang="en-US"/>
           </a:p>
@@ -4344,7 +4344,7 @@
           <a:p>
             <a:fld id="{2C8A15B8-BE2C-4D04-9A17-0E122B952A4D}" type="datetimeFigureOut">
               <a:rPr lang="zh-CN" altLang="en-US" smtClean="0"/>
-              <a:t>2020/8/17</a:t>
+              <a:t>2020/8/18</a:t>
             </a:fld>
             <a:endParaRPr lang="zh-CN" altLang="en-US"/>
           </a:p>
@@ -4470,7 +4470,7 @@
           <a:p>
             <a:fld id="{2C8A15B8-BE2C-4D04-9A17-0E122B952A4D}" type="datetimeFigureOut">
               <a:rPr lang="zh-CN" altLang="en-US" smtClean="0"/>
-              <a:t>2020/8/17</a:t>
+              <a:t>2020/8/18</a:t>
             </a:fld>
             <a:endParaRPr lang="zh-CN" altLang="en-US"/>
           </a:p>
@@ -4721,7 +4721,7 @@
           <a:p>
             <a:fld id="{2C8A15B8-BE2C-4D04-9A17-0E122B952A4D}" type="datetimeFigureOut">
               <a:rPr lang="zh-CN" altLang="en-US" smtClean="0"/>
-              <a:t>2020/8/17</a:t>
+              <a:t>2020/8/18</a:t>
             </a:fld>
             <a:endParaRPr lang="zh-CN" altLang="en-US"/>
           </a:p>
@@ -5166,7 +5166,7 @@
           <a:p>
             <a:fld id="{2C8A15B8-BE2C-4D04-9A17-0E122B952A4D}" type="datetimeFigureOut">
               <a:rPr lang="zh-CN" altLang="en-US" smtClean="0"/>
-              <a:t>2020/8/17</a:t>
+              <a:t>2020/8/18</a:t>
             </a:fld>
             <a:endParaRPr lang="zh-CN" altLang="en-US"/>
           </a:p>
@@ -5372,7 +5372,7 @@
           <a:p>
             <a:fld id="{2C8A15B8-BE2C-4D04-9A17-0E122B952A4D}" type="datetimeFigureOut">
               <a:rPr lang="zh-CN" altLang="en-US" smtClean="0"/>
-              <a:t>2020/8/17</a:t>
+              <a:t>2020/8/18</a:t>
             </a:fld>
             <a:endParaRPr lang="zh-CN" altLang="en-US"/>
           </a:p>
@@ -5587,7 +5587,7 @@
           <a:p>
             <a:fld id="{2C8A15B8-BE2C-4D04-9A17-0E122B952A4D}" type="datetimeFigureOut">
               <a:rPr lang="zh-CN" altLang="en-US" smtClean="0"/>
-              <a:t>2020/8/17</a:t>
+              <a:t>2020/8/18</a:t>
             </a:fld>
             <a:endParaRPr lang="zh-CN" altLang="en-US"/>
           </a:p>
@@ -5868,7 +5868,7 @@
           <a:p>
             <a:fld id="{2C8A15B8-BE2C-4D04-9A17-0E122B952A4D}" type="datetimeFigureOut">
               <a:rPr lang="zh-CN" altLang="en-US" smtClean="0"/>
-              <a:t>2020/8/17</a:t>
+              <a:t>2020/8/18</a:t>
             </a:fld>
             <a:endParaRPr lang="zh-CN" altLang="en-US"/>
           </a:p>
@@ -6104,7 +6104,7 @@
           <a:p>
             <a:fld id="{2C8A15B8-BE2C-4D04-9A17-0E122B952A4D}" type="datetimeFigureOut">
               <a:rPr lang="zh-CN" altLang="en-US" smtClean="0"/>
-              <a:t>2020/8/17</a:t>
+              <a:t>2020/8/18</a:t>
             </a:fld>
             <a:endParaRPr lang="zh-CN" altLang="en-US"/>
           </a:p>
@@ -6486,7 +6486,7 @@
           <a:p>
             <a:fld id="{2C8A15B8-BE2C-4D04-9A17-0E122B952A4D}" type="datetimeFigureOut">
               <a:rPr lang="zh-CN" altLang="en-US" smtClean="0"/>
-              <a:t>2020/8/17</a:t>
+              <a:t>2020/8/18</a:t>
             </a:fld>
             <a:endParaRPr lang="zh-CN" altLang="en-US"/>
           </a:p>
@@ -6604,7 +6604,7 @@
           <a:p>
             <a:fld id="{2C8A15B8-BE2C-4D04-9A17-0E122B952A4D}" type="datetimeFigureOut">
               <a:rPr lang="zh-CN" altLang="en-US" smtClean="0"/>
-              <a:t>2020/8/17</a:t>
+              <a:t>2020/8/18</a:t>
             </a:fld>
             <a:endParaRPr lang="zh-CN" altLang="en-US"/>
           </a:p>
@@ -6699,7 +6699,7 @@
           <a:p>
             <a:fld id="{2C8A15B8-BE2C-4D04-9A17-0E122B952A4D}" type="datetimeFigureOut">
               <a:rPr lang="zh-CN" altLang="en-US" smtClean="0"/>
-              <a:t>2020/8/17</a:t>
+              <a:t>2020/8/18</a:t>
             </a:fld>
             <a:endParaRPr lang="zh-CN" altLang="en-US"/>
           </a:p>
@@ -6954,7 +6954,7 @@
           <a:p>
             <a:fld id="{2C8A15B8-BE2C-4D04-9A17-0E122B952A4D}" type="datetimeFigureOut">
               <a:rPr lang="zh-CN" altLang="en-US" smtClean="0"/>
-              <a:t>2020/8/17</a:t>
+              <a:t>2020/8/18</a:t>
             </a:fld>
             <a:endParaRPr lang="zh-CN" altLang="en-US"/>
           </a:p>
@@ -7237,7 +7237,7 @@
           <a:p>
             <a:fld id="{2C8A15B8-BE2C-4D04-9A17-0E122B952A4D}" type="datetimeFigureOut">
               <a:rPr lang="zh-CN" altLang="en-US" smtClean="0"/>
-              <a:t>2020/8/17</a:t>
+              <a:t>2020/8/18</a:t>
             </a:fld>
             <a:endParaRPr lang="zh-CN" altLang="en-US"/>
           </a:p>
@@ -7643,7 +7643,7 @@
           <a:p>
             <a:fld id="{2C8A15B8-BE2C-4D04-9A17-0E122B952A4D}" type="datetimeFigureOut">
               <a:rPr lang="zh-CN" altLang="en-US" smtClean="0"/>
-              <a:t>2020/8/17</a:t>
+              <a:t>2020/8/18</a:t>
             </a:fld>
             <a:endParaRPr lang="zh-CN" altLang="en-US"/>
           </a:p>
@@ -8390,7 +8390,7 @@
           <a:p>
             <a:fld id="{2C8A15B8-BE2C-4D04-9A17-0E122B952A4D}" type="datetimeFigureOut">
               <a:rPr lang="zh-CN" altLang="en-US" smtClean="0"/>
-              <a:t>2020/8/17</a:t>
+              <a:t>2020/8/18</a:t>
             </a:fld>
             <a:endParaRPr lang="zh-CN" altLang="en-US"/>
           </a:p>
@@ -9865,7 +9865,7 @@
         <p:spPr>
           <a:xfrm>
             <a:off x="830424" y="1352939"/>
-            <a:ext cx="10571584" cy="1200329"/>
+            <a:ext cx="10571584" cy="1754326"/>
           </a:xfrm>
           <a:prstGeom prst="rect">
             <a:avLst/>
@@ -9906,9 +9906,29 @@
               <a:buAutoNum type="arabicPeriod"/>
             </a:pPr>
             <a:r>
-              <a:rPr lang="en-US" altLang="zh-CN" dirty="0"/>
+              <a:rPr lang="en-US" altLang="zh-CN" dirty="0">
+                <a:hlinkClick r:id="rId4"/>
+              </a:rPr>
               <a:t>https://www.wolframalpha.com/input/?i=plot+x%5E3+-+3x+%2B+2%3Dy%5E2</a:t>
             </a:r>
+            <a:endParaRPr lang="en-US" altLang="zh-CN" dirty="0"/>
+          </a:p>
+          <a:p>
+            <a:pPr marL="342900" indent="-342900">
+              <a:buAutoNum type="arabicPeriod"/>
+            </a:pPr>
+            <a:r>
+              <a:rPr lang="en-US" altLang="zh-CN" dirty="0">
+                <a:hlinkClick r:id="rId5"/>
+              </a:rPr>
+              <a:t>https://hgarrereyn.gitbooks.io/th3g3ntl3man-ctf-writeups/content/2017/picoCTF_2017/problems/cryptography/ECC2/ECC2.html</a:t>
+            </a:r>
+            <a:endParaRPr lang="en-US" altLang="zh-CN" dirty="0"/>
+          </a:p>
+          <a:p>
+            <a:pPr marL="342900" indent="-342900">
+              <a:buAutoNum type="arabicPeriod"/>
+            </a:pPr>
             <a:endParaRPr lang="zh-CN" altLang="en-US" dirty="0"/>
           </a:p>
         </p:txBody>
